--- a/WorldTour.pptx
+++ b/WorldTour.pptx
@@ -113,6 +113,11 @@
       </a:defRPr>
     </a:lvl9pPr>
   </p:defaultTextStyle>
+  <p:extLst>
+    <p:ext uri="{EFAFB233-063F-42B5-8137-9DF3F51BA10A}">
+      <p15:sldGuideLst xmlns:p15="http://schemas.microsoft.com/office/powerpoint/2012/main"/>
+    </p:ext>
+  </p:extLst>
 </p:presentation>
 </file>
 
@@ -3795,6 +3800,22 @@
                   <a:schemeClr val="bg1"/>
                 </a:solidFill>
               </a:rPr>
+              <a:t> </a:t>
+            </a:r>
+            <a:r>
+              <a:rPr lang="de-AT" sz="2200" dirty="0" err="1">
+                <a:solidFill>
+                  <a:schemeClr val="bg1"/>
+                </a:solidFill>
+              </a:rPr>
+              <a:t>Coordinates</a:t>
+            </a:r>
+            <a:r>
+              <a:rPr lang="de-AT" sz="2200" dirty="0">
+                <a:solidFill>
+                  <a:schemeClr val="bg1"/>
+                </a:solidFill>
+              </a:rPr>
               <a:t>:</a:t>
             </a:r>
           </a:p>
@@ -3959,7 +3980,7 @@
                   <a:schemeClr val="bg1"/>
                 </a:solidFill>
               </a:rPr>
-              <a:t>Flag</a:t>
+              <a:t>Map</a:t>
             </a:r>
             <a:r>
               <a:rPr lang="de-AT" sz="2200" dirty="0">
@@ -3967,7 +3988,7 @@
                   <a:schemeClr val="bg1"/>
                 </a:solidFill>
               </a:rPr>
-              <a:t> Quiz Design</a:t>
+              <a:t>/Images Designs</a:t>
             </a:r>
           </a:p>
         </p:txBody>
@@ -4200,7 +4221,23 @@
                   <a:schemeClr val="bg1"/>
                 </a:solidFill>
               </a:rPr>
-              <a:t>:</a:t>
+              <a:t> </a:t>
+            </a:r>
+            <a:r>
+              <a:rPr lang="de-AT" sz="2200" dirty="0" err="1">
+                <a:solidFill>
+                  <a:schemeClr val="bg1"/>
+                </a:solidFill>
+              </a:rPr>
+              <a:t>Coordinates</a:t>
+            </a:r>
+            <a:r>
+              <a:rPr lang="de-AT" sz="2200" dirty="0">
+                <a:solidFill>
+                  <a:schemeClr val="bg1"/>
+                </a:solidFill>
+              </a:rPr>
+              <a:t> :</a:t>
             </a:r>
           </a:p>
           <a:p>
@@ -4369,7 +4406,7 @@
                   <a:schemeClr val="bg1"/>
                 </a:solidFill>
               </a:rPr>
-              <a:t>Index.html</a:t>
+              <a:t>Website Design</a:t>
             </a:r>
           </a:p>
         </p:txBody>
@@ -4651,7 +4688,7 @@
         <p:spPr>
           <a:xfrm>
             <a:off x="838200" y="1263728"/>
-            <a:ext cx="11217965" cy="4832092"/>
+            <a:ext cx="11217965" cy="5170646"/>
           </a:xfrm>
           <a:prstGeom prst="rect">
             <a:avLst/>
@@ -4690,7 +4727,23 @@
                   <a:schemeClr val="bg1"/>
                 </a:solidFill>
               </a:rPr>
-              <a:t>:</a:t>
+              <a:t> </a:t>
+            </a:r>
+            <a:r>
+              <a:rPr lang="de-AT" sz="2200" dirty="0" err="1">
+                <a:solidFill>
+                  <a:schemeClr val="bg1"/>
+                </a:solidFill>
+              </a:rPr>
+              <a:t>Coordinates</a:t>
+            </a:r>
+            <a:r>
+              <a:rPr lang="de-AT" sz="2200" dirty="0">
+                <a:solidFill>
+                  <a:schemeClr val="bg1"/>
+                </a:solidFill>
+              </a:rPr>
+              <a:t> :</a:t>
             </a:r>
           </a:p>
           <a:p>
@@ -4842,7 +4895,21 @@
                   <a:schemeClr val="bg1"/>
                 </a:solidFill>
               </a:rPr>
-              <a:t>Index.html</a:t>
+              <a:t>Website Design</a:t>
+            </a:r>
+          </a:p>
+          <a:p>
+            <a:pPr marL="342900" indent="-342900">
+              <a:buFont typeface="Arial" panose="020B0604020202020204" pitchFamily="34" charset="0"/>
+              <a:buChar char="•"/>
+            </a:pPr>
+            <a:r>
+              <a:rPr lang="de-AT" sz="2200" dirty="0">
+                <a:solidFill>
+                  <a:schemeClr val="bg1"/>
+                </a:solidFill>
+              </a:rPr>
+              <a:t>Details</a:t>
             </a:r>
           </a:p>
         </p:txBody>
@@ -6340,35 +6407,125 @@
           </a:p>
         </p:txBody>
       </p:sp>
-      <p:sp>
-        <p:nvSpPr>
-          <p:cNvPr id="3" name="Inhaltsplatzhalter 2">
-            <a:extLst>
-              <a:ext uri="{FF2B5EF4-FFF2-40B4-BE49-F238E27FC236}">
-                <a16:creationId xmlns:a16="http://schemas.microsoft.com/office/drawing/2014/main" id="{F0A848D5-ADA5-69C7-6AA5-9C80A455A962}"/>
-              </a:ext>
-            </a:extLst>
-          </p:cNvPr>
-          <p:cNvSpPr>
-            <a:spLocks noGrp="1"/>
-          </p:cNvSpPr>
-          <p:nvPr>
-            <p:ph idx="1"/>
-          </p:nvPr>
-        </p:nvSpPr>
-        <p:spPr/>
-        <p:txBody>
-          <a:bodyPr/>
-          <a:lstStyle/>
-          <a:p>
-            <a:endParaRPr lang="de-AT" dirty="0">
-              <a:solidFill>
-                <a:schemeClr val="bg1"/>
-              </a:solidFill>
-            </a:endParaRPr>
-          </a:p>
-        </p:txBody>
-      </p:sp>
+      <p:pic>
+        <p:nvPicPr>
+          <p:cNvPr id="8" name="Grafik 7">
+            <a:extLst>
+              <a:ext uri="{FF2B5EF4-FFF2-40B4-BE49-F238E27FC236}">
+                <a16:creationId xmlns:a16="http://schemas.microsoft.com/office/drawing/2014/main" id="{49EAC8DC-F78F-CB0F-4628-DF6677E94AA0}"/>
+              </a:ext>
+            </a:extLst>
+          </p:cNvPr>
+          <p:cNvPicPr>
+            <a:picLocks noChangeAspect="1"/>
+          </p:cNvPicPr>
+          <p:nvPr/>
+        </p:nvPicPr>
+        <p:blipFill>
+          <a:blip r:embed="rId2"/>
+          <a:stretch>
+            <a:fillRect/>
+          </a:stretch>
+        </p:blipFill>
+        <p:spPr>
+          <a:xfrm>
+            <a:off x="3074702" y="5042499"/>
+            <a:ext cx="4086795" cy="47632"/>
+          </a:xfrm>
+          <a:prstGeom prst="rect">
+            <a:avLst/>
+          </a:prstGeom>
+        </p:spPr>
+      </p:pic>
+      <p:pic>
+        <p:nvPicPr>
+          <p:cNvPr id="10" name="Grafik 9">
+            <a:extLst>
+              <a:ext uri="{FF2B5EF4-FFF2-40B4-BE49-F238E27FC236}">
+                <a16:creationId xmlns:a16="http://schemas.microsoft.com/office/drawing/2014/main" id="{4C616B17-C399-60EB-2D95-18F58DBA712A}"/>
+              </a:ext>
+            </a:extLst>
+          </p:cNvPr>
+          <p:cNvPicPr>
+            <a:picLocks noChangeAspect="1"/>
+          </p:cNvPicPr>
+          <p:nvPr/>
+        </p:nvPicPr>
+        <p:blipFill>
+          <a:blip r:embed="rId3"/>
+          <a:stretch>
+            <a:fillRect/>
+          </a:stretch>
+        </p:blipFill>
+        <p:spPr>
+          <a:xfrm>
+            <a:off x="676274" y="1343552"/>
+            <a:ext cx="8029717" cy="5120748"/>
+          </a:xfrm>
+          <a:prstGeom prst="rect">
+            <a:avLst/>
+          </a:prstGeom>
+        </p:spPr>
+      </p:pic>
+      <p:pic>
+        <p:nvPicPr>
+          <p:cNvPr id="14" name="Grafik 13">
+            <a:extLst>
+              <a:ext uri="{FF2B5EF4-FFF2-40B4-BE49-F238E27FC236}">
+                <a16:creationId xmlns:a16="http://schemas.microsoft.com/office/drawing/2014/main" id="{47B3495A-2F33-2391-3976-0CACDC2B0AD4}"/>
+              </a:ext>
+            </a:extLst>
+          </p:cNvPr>
+          <p:cNvPicPr>
+            <a:picLocks noChangeAspect="1"/>
+          </p:cNvPicPr>
+          <p:nvPr/>
+        </p:nvPicPr>
+        <p:blipFill>
+          <a:blip r:embed="rId4"/>
+          <a:stretch>
+            <a:fillRect/>
+          </a:stretch>
+        </p:blipFill>
+        <p:spPr>
+          <a:xfrm>
+            <a:off x="9019493" y="724961"/>
+            <a:ext cx="2616749" cy="5118897"/>
+          </a:xfrm>
+          <a:prstGeom prst="rect">
+            <a:avLst/>
+          </a:prstGeom>
+        </p:spPr>
+      </p:pic>
+      <p:pic>
+        <p:nvPicPr>
+          <p:cNvPr id="12" name="Grafik 11">
+            <a:extLst>
+              <a:ext uri="{FF2B5EF4-FFF2-40B4-BE49-F238E27FC236}">
+                <a16:creationId xmlns:a16="http://schemas.microsoft.com/office/drawing/2014/main" id="{81890BBF-9E01-64F1-8E1A-0BD7D286A644}"/>
+              </a:ext>
+            </a:extLst>
+          </p:cNvPr>
+          <p:cNvPicPr>
+            <a:picLocks noChangeAspect="1"/>
+          </p:cNvPicPr>
+          <p:nvPr/>
+        </p:nvPicPr>
+        <p:blipFill rotWithShape="1">
+          <a:blip r:embed="rId5"/>
+          <a:srcRect t="16360" r="22140"/>
+          <a:stretch/>
+        </p:blipFill>
+        <p:spPr>
+          <a:xfrm>
+            <a:off x="5755868" y="3695143"/>
+            <a:ext cx="4350157" cy="2742344"/>
+          </a:xfrm>
+          <a:prstGeom prst="rect">
+            <a:avLst/>
+          </a:prstGeom>
+        </p:spPr>
+      </p:pic>
     </p:spTree>
     <p:extLst>
       <p:ext uri="{BB962C8B-B14F-4D97-AF65-F5344CB8AC3E}">
